--- a/dongjianzhou/slide.pptx
+++ b/dongjianzhou/slide.pptx
@@ -11,9 +11,17 @@
     <p:sldId id="260" r:id="rId6"/>
     <p:sldId id="261" r:id="rId7"/>
     <p:sldId id="258" r:id="rId8"/>
+    <p:sldId id="263" r:id="rId9"/>
+    <p:sldId id="264" r:id="rId10"/>
+    <p:sldId id="265" r:id="rId11"/>
+    <p:sldId id="266" r:id="rId12"/>
+    <p:sldId id="267" r:id="rId13"/>
   </p:sldIdLst>
   <p:sldSz cx="12192000" cy="6858000"/>
   <p:notesSz cx="6858000" cy="9144000"/>
+  <p:custDataLst>
+    <p:tags r:id="rId17"/>
+  </p:custDataLst>
   <p:defaultTextStyle>
     <a:defPPr>
       <a:defRPr lang="zh-CN"/>
@@ -2978,6 +2986,134 @@
 </p:sld>
 </file>
 
+<file path=ppt/slides/slide10.xml><?xml version="1.0" encoding="utf-8"?>
+<p:sld xmlns:a="http://schemas.openxmlformats.org/drawingml/2006/main" xmlns:r="http://schemas.openxmlformats.org/officeDocument/2006/relationships" xmlns:p="http://schemas.openxmlformats.org/presentationml/2006/main">
+  <p:cSld>
+    <p:spTree>
+      <p:nvGrpSpPr>
+        <p:cNvPr id="1" name=""/>
+        <p:cNvGrpSpPr/>
+        <p:nvPr/>
+      </p:nvGrpSpPr>
+      <p:grpSpPr/>
+      <p:sp>
+        <p:nvSpPr>
+          <p:cNvPr id="2" name="标题 1"/>
+          <p:cNvSpPr>
+            <a:spLocks noGrp="1"/>
+          </p:cNvSpPr>
+          <p:nvPr>
+            <p:ph type="title"/>
+          </p:nvPr>
+        </p:nvSpPr>
+        <p:spPr/>
+        <p:txBody>
+          <a:bodyPr/>
+          <a:p>
+            <a:r>
+              <a:rPr lang="zh-CN" altLang="en-US"/>
+              <a:t>论文结果</a:t>
+            </a:r>
+            <a:endParaRPr lang="zh-CN" altLang="en-US"/>
+          </a:p>
+        </p:txBody>
+      </p:sp>
+      <p:sp>
+        <p:nvSpPr>
+          <p:cNvPr id="3" name="内容占位符 2"/>
+          <p:cNvSpPr>
+            <a:spLocks noGrp="1"/>
+          </p:cNvSpPr>
+          <p:nvPr>
+            <p:ph idx="1"/>
+          </p:nvPr>
+        </p:nvSpPr>
+        <p:spPr/>
+        <p:txBody>
+          <a:bodyPr/>
+          <a:p>
+            <a:r>
+              <a:rPr lang="zh-CN" altLang="en-US"/>
+              <a:t>这两种模式具有可比性。在时间点t = 1,3和5年时，</a:t>
+            </a:r>
+            <a:r>
+              <a:rPr lang="zh-CN" altLang="en-US"/>
+              <a:t>GP和Cox回归模型的C指数分别为0.59,0.69,0.64和0.66,0.70,0.70。在同一时间点，使用校准曲线评估的两个模型的校准和Hosmer-Lemeshow检验统计量的推广也具有可比性，但Cox模型更好地校准到验证数据。</a:t>
+            </a:r>
+            <a:endParaRPr lang="zh-CN" altLang="en-US"/>
+          </a:p>
+        </p:txBody>
+      </p:sp>
+    </p:spTree>
+  </p:cSld>
+  <p:clrMapOvr>
+    <a:masterClrMapping/>
+  </p:clrMapOvr>
+</p:sld>
+</file>
+
+<file path=ppt/slides/slide11.xml><?xml version="1.0" encoding="utf-8"?>
+<p:sld xmlns:a="http://schemas.openxmlformats.org/drawingml/2006/main" xmlns:r="http://schemas.openxmlformats.org/officeDocument/2006/relationships" xmlns:p="http://schemas.openxmlformats.org/presentationml/2006/main">
+  <p:cSld>
+    <p:spTree>
+      <p:nvGrpSpPr>
+        <p:cNvPr id="1" name=""/>
+        <p:cNvGrpSpPr/>
+        <p:nvPr/>
+      </p:nvGrpSpPr>
+      <p:grpSpPr/>
+      <p:sp>
+        <p:nvSpPr>
+          <p:cNvPr id="2" name="标题 1"/>
+          <p:cNvSpPr>
+            <a:spLocks noGrp="1"/>
+          </p:cNvSpPr>
+          <p:nvPr>
+            <p:ph type="title"/>
+          </p:nvPr>
+        </p:nvSpPr>
+        <p:spPr/>
+        <p:txBody>
+          <a:bodyPr/>
+          <a:p>
+            <a:r>
+              <a:rPr lang="zh-CN" altLang="en-US"/>
+              <a:t>论文结论</a:t>
+            </a:r>
+            <a:endParaRPr lang="zh-CN" altLang="en-US"/>
+          </a:p>
+        </p:txBody>
+      </p:sp>
+      <p:sp>
+        <p:nvSpPr>
+          <p:cNvPr id="3" name="内容占位符 2"/>
+          <p:cNvSpPr>
+            <a:spLocks noGrp="1"/>
+          </p:cNvSpPr>
+          <p:nvPr>
+            <p:ph idx="1"/>
+          </p:nvPr>
+        </p:nvSpPr>
+        <p:spPr/>
+        <p:txBody>
+          <a:bodyPr/>
+          <a:p>
+            <a:r>
+              <a:rPr lang="zh-CN" altLang="en-US"/>
+              <a:t>使用经验数据，我们证明GP自动开发的预测模型具有与手动调整的Cox回归相当的预测能力。GP模型更复杂，但它是以完全自动化的方式开发的，并且包含较少的协变量。此外，它不需要通常需要的专业知识来推导，从而减轻了知识瓶颈。总体而言，GP作为自动开发用于诊断和预后目的的临床预测模型的方法显示出相当大的潜力。</a:t>
+            </a:r>
+            <a:endParaRPr lang="zh-CN" altLang="en-US"/>
+          </a:p>
+        </p:txBody>
+      </p:sp>
+    </p:spTree>
+  </p:cSld>
+  <p:clrMapOvr>
+    <a:masterClrMapping/>
+  </p:clrMapOvr>
+</p:sld>
+</file>
+
 <file path=ppt/slides/slide2.xml><?xml version="1.0" encoding="utf-8"?>
 <p:sld xmlns:a="http://schemas.openxmlformats.org/drawingml/2006/main" xmlns:r="http://schemas.openxmlformats.org/officeDocument/2006/relationships" xmlns:p="http://schemas.openxmlformats.org/presentationml/2006/main">
   <p:cSld>
@@ -3408,13 +3544,6 @@
             </a:r>
             <a:endParaRPr lang="zh-CN" altLang="en-US" sz="2400"/>
           </a:p>
-          <a:p>
-            <a:r>
-              <a:rPr lang="zh-CN" altLang="en-US" sz="2400"/>
-              <a:t>Hein F, Almeder C, Figueira G, et al. Designing new heuristics for the capacitated lot sizing problem by genetic programming[J]. Computers &amp; Operations Research, 2018, 96: 1-14.</a:t>
-            </a:r>
-            <a:endParaRPr lang="zh-CN" altLang="en-US" sz="2400"/>
-          </a:p>
         </p:txBody>
       </p:sp>
     </p:spTree>
@@ -3423,6 +3552,211 @@
     <a:masterClrMapping/>
   </p:clrMapOvr>
 </p:sld>
+</file>
+
+<file path=ppt/slides/slide7.xml><?xml version="1.0" encoding="utf-8"?>
+<p:sld xmlns:a="http://schemas.openxmlformats.org/drawingml/2006/main" xmlns:r="http://schemas.openxmlformats.org/officeDocument/2006/relationships" xmlns:p="http://schemas.openxmlformats.org/presentationml/2006/main">
+  <p:cSld>
+    <p:spTree>
+      <p:nvGrpSpPr>
+        <p:cNvPr id="1" name=""/>
+        <p:cNvGrpSpPr/>
+        <p:nvPr/>
+      </p:nvGrpSpPr>
+      <p:grpSpPr/>
+      <p:sp>
+        <p:nvSpPr>
+          <p:cNvPr id="2" name="标题 1"/>
+          <p:cNvSpPr>
+            <a:spLocks noGrp="1"/>
+          </p:cNvSpPr>
+          <p:nvPr>
+            <p:ph type="title"/>
+          </p:nvPr>
+        </p:nvSpPr>
+        <p:spPr/>
+        <p:txBody>
+          <a:bodyPr/>
+          <a:p>
+            <a:r>
+              <a:rPr lang="zh-CN" altLang="en-US"/>
+              <a:t>论文介绍</a:t>
+            </a:r>
+            <a:endParaRPr lang="en-US" altLang="zh-CN"/>
+          </a:p>
+        </p:txBody>
+      </p:sp>
+      <p:sp>
+        <p:nvSpPr>
+          <p:cNvPr id="3" name="内容占位符 2"/>
+          <p:cNvSpPr>
+            <a:spLocks noGrp="1"/>
+          </p:cNvSpPr>
+          <p:nvPr>
+            <p:ph idx="1"/>
+          </p:nvPr>
+        </p:nvSpPr>
+        <p:spPr/>
+        <p:txBody>
+          <a:bodyPr/>
+          <a:p>
+            <a:r>
+              <a:rPr lang="zh-CN" altLang="en-US">
+                <a:sym typeface="+mn-ea"/>
+              </a:rPr>
+              <a:t>Bannister C A, Halcox J P, Currie C J, et al. A genetic programming approach to development of clinical prediction models: A case study in symptomatic cardiovascular disease[J]. PloS one, 2018, 13(9): e0202685.</a:t>
+            </a:r>
+            <a:endParaRPr lang="zh-CN" altLang="en-US"/>
+          </a:p>
+          <a:p>
+            <a:endParaRPr lang="zh-CN" altLang="en-US"/>
+          </a:p>
+        </p:txBody>
+      </p:sp>
+    </p:spTree>
+  </p:cSld>
+  <p:clrMapOvr>
+    <a:masterClrMapping/>
+  </p:clrMapOvr>
+</p:sld>
+</file>
+
+<file path=ppt/slides/slide8.xml><?xml version="1.0" encoding="utf-8"?>
+<p:sld xmlns:a="http://schemas.openxmlformats.org/drawingml/2006/main" xmlns:r="http://schemas.openxmlformats.org/officeDocument/2006/relationships" xmlns:p="http://schemas.openxmlformats.org/presentationml/2006/main">
+  <p:cSld>
+    <p:spTree>
+      <p:nvGrpSpPr>
+        <p:cNvPr id="1" name=""/>
+        <p:cNvGrpSpPr/>
+        <p:nvPr/>
+      </p:nvGrpSpPr>
+      <p:grpSpPr/>
+      <p:sp>
+        <p:nvSpPr>
+          <p:cNvPr id="2" name="标题 1"/>
+          <p:cNvSpPr>
+            <a:spLocks noGrp="1"/>
+          </p:cNvSpPr>
+          <p:nvPr>
+            <p:ph type="title"/>
+          </p:nvPr>
+        </p:nvSpPr>
+        <p:spPr/>
+        <p:txBody>
+          <a:bodyPr/>
+          <a:p>
+            <a:r>
+              <a:rPr lang="zh-CN" altLang="en-US"/>
+              <a:t>论文背景</a:t>
+            </a:r>
+            <a:endParaRPr lang="en-US" altLang="zh-CN"/>
+          </a:p>
+        </p:txBody>
+      </p:sp>
+      <p:sp>
+        <p:nvSpPr>
+          <p:cNvPr id="3" name="内容占位符 2"/>
+          <p:cNvSpPr>
+            <a:spLocks noGrp="1"/>
+          </p:cNvSpPr>
+          <p:nvPr>
+            <p:ph idx="1"/>
+          </p:nvPr>
+        </p:nvSpPr>
+        <p:spPr/>
+        <p:txBody>
+          <a:bodyPr/>
+          <a:p>
+            <a:r>
+              <a:rPr lang="zh-CN" altLang="en-US"/>
+              <a:t>遗传编程（GP）是一种能够识别大型数据集中复杂的非线性模式的进化计算方法。尽管GP相对于更典型的，频繁的统计方法方法具有潜在的优势，但其在生存分析中的应用至少是罕见的。本研究的目的是确定GP用于临床预测模型自动开发的效用。</a:t>
+            </a:r>
+            <a:endParaRPr lang="zh-CN" altLang="en-US"/>
+          </a:p>
+        </p:txBody>
+      </p:sp>
+    </p:spTree>
+  </p:cSld>
+  <p:clrMapOvr>
+    <a:masterClrMapping/>
+  </p:clrMapOvr>
+</p:sld>
+</file>
+
+<file path=ppt/slides/slide9.xml><?xml version="1.0" encoding="utf-8"?>
+<p:sld xmlns:a="http://schemas.openxmlformats.org/drawingml/2006/main" xmlns:r="http://schemas.openxmlformats.org/officeDocument/2006/relationships" xmlns:p="http://schemas.openxmlformats.org/presentationml/2006/main">
+  <p:cSld>
+    <p:spTree>
+      <p:nvGrpSpPr>
+        <p:cNvPr id="1" name=""/>
+        <p:cNvGrpSpPr/>
+        <p:nvPr/>
+      </p:nvGrpSpPr>
+      <p:grpSpPr/>
+      <p:sp>
+        <p:nvSpPr>
+          <p:cNvPr id="2" name="标题 1"/>
+          <p:cNvSpPr>
+            <a:spLocks noGrp="1"/>
+          </p:cNvSpPr>
+          <p:nvPr>
+            <p:ph type="title"/>
+          </p:nvPr>
+        </p:nvSpPr>
+        <p:spPr/>
+        <p:txBody>
+          <a:bodyPr/>
+          <a:p>
+            <a:r>
+              <a:rPr lang="zh-CN" altLang="en-US"/>
+              <a:t>论文</a:t>
+            </a:r>
+            <a:r>
+              <a:rPr lang="zh-CN" altLang="en-US"/>
+              <a:t>方法</a:t>
+            </a:r>
+            <a:endParaRPr lang="zh-CN" altLang="en-US"/>
+          </a:p>
+        </p:txBody>
+      </p:sp>
+      <p:sp>
+        <p:nvSpPr>
+          <p:cNvPr id="3" name="内容占位符 2"/>
+          <p:cNvSpPr>
+            <a:spLocks noGrp="1"/>
+          </p:cNvSpPr>
+          <p:nvPr>
+            <p:ph idx="1"/>
+          </p:nvPr>
+        </p:nvSpPr>
+        <p:spPr/>
+        <p:txBody>
+          <a:bodyPr/>
+          <a:p>
+            <a:r>
+              <a:rPr lang="zh-CN" altLang="en-US"/>
+              <a:t>论文使用来自SMART研究的数据，对心血管风险评分的发展和表现，将GP与常用的Cox回归技术进行了比较，该研究是对症状性心血管疾病患者的前瞻性研究。复合终点是心血管死亡，非致命性中风和心肌梗塞。共有3,873名年龄在19-82岁的患者参加了1996 - 2006年的研究。队列以70:30的比例被分成派生和验证集。推导集用于GP和Cox回归模型的开发。然后使用这些模型预测t = 1,3和5年的离散危险度</a:t>
+            </a:r>
+            <a:r>
+              <a:rPr lang="zh-CN" altLang="en-US"/>
+              <a:t>。两种模型的预测能力根据其风险辨别和使用验证集的校准进行评估。</a:t>
+            </a:r>
+            <a:endParaRPr lang="zh-CN" altLang="en-US"/>
+          </a:p>
+        </p:txBody>
+      </p:sp>
+    </p:spTree>
+  </p:cSld>
+  <p:clrMapOvr>
+    <a:masterClrMapping/>
+  </p:clrMapOvr>
+</p:sld>
+</file>
+
+<file path=ppt/tags/tag1.xml><?xml version="1.0" encoding="utf-8"?>
+<p:tagLst xmlns:p="http://schemas.openxmlformats.org/presentationml/2006/main">
+  <p:tag name="KSO_WM_DOC_GUID" val="{f3dd156b-77d7-45b2-acc3-ec1faeb0b519}"/>
+</p:tagLst>
 </file>
 
 <file path=ppt/theme/theme1.xml><?xml version="1.0" encoding="utf-8"?>
